--- a/src/main/lcn-examples/rina/2h-ir/network.pptx
+++ b/src/main/lcn-examples/rina/2h-ir/network.pptx
@@ -14269,7 +14269,7 @@
           <p:spPr>
             <a:xfrm>
               <a:off x="0" y="573096"/>
-              <a:ext cx="12192000" cy="5711807"/>
+              <a:ext cx="12191999" cy="5711807"/>
             </a:xfrm>
             <a:prstGeom prst="rect">
               <a:avLst/>
